--- a/alex/UD2/UD2.1 Fundamentos de Kotlin.pptx
+++ b/alex/UD2/UD2.1 Fundamentos de Kotlin.pptx
@@ -258,7 +258,7 @@
           <a:p>
             <a:fld id="{82E89499-4C5B-4DDE-969A-9333FF39DBC5}" type="datetimeFigureOut">
               <a:rPr lang="es-ES" smtClean="0"/>
-              <a:t>13/08/2023</a:t>
+              <a:t>15/09/2023</a:t>
             </a:fld>
             <a:endParaRPr lang="es-ES"/>
           </a:p>
@@ -771,7 +771,7 @@
             <a:fld id="{B61BEF0D-F0BB-DE4B-95CE-6DB70DBA9567}" type="datetimeFigureOut">
               <a:rPr lang="en-US" dirty="0"/>
               <a:pPr/>
-              <a:t>8/13/2023</a:t>
+              <a:t>9/15/2023</a:t>
             </a:fld>
             <a:endParaRPr lang="en-US" dirty="0"/>
           </a:p>
@@ -1030,7 +1030,7 @@
             <a:fld id="{B61BEF0D-F0BB-DE4B-95CE-6DB70DBA9567}" type="datetimeFigureOut">
               <a:rPr lang="en-US" dirty="0"/>
               <a:pPr/>
-              <a:t>8/13/2023</a:t>
+              <a:t>9/15/2023</a:t>
             </a:fld>
             <a:endParaRPr lang="en-US" dirty="0"/>
           </a:p>
@@ -1262,7 +1262,7 @@
             <a:fld id="{B61BEF0D-F0BB-DE4B-95CE-6DB70DBA9567}" type="datetimeFigureOut">
               <a:rPr lang="en-US" dirty="0"/>
               <a:pPr/>
-              <a:t>8/13/2023</a:t>
+              <a:t>9/15/2023</a:t>
             </a:fld>
             <a:endParaRPr lang="en-US" dirty="0"/>
           </a:p>
@@ -1499,7 +1499,7 @@
             <a:fld id="{B61BEF0D-F0BB-DE4B-95CE-6DB70DBA9567}" type="datetimeFigureOut">
               <a:rPr lang="en-US" dirty="0"/>
               <a:pPr/>
-              <a:t>8/13/2023</a:t>
+              <a:t>9/15/2023</a:t>
             </a:fld>
             <a:endParaRPr lang="en-US" dirty="0"/>
           </a:p>
@@ -1803,7 +1803,7 @@
             <a:fld id="{B61BEF0D-F0BB-DE4B-95CE-6DB70DBA9567}" type="datetimeFigureOut">
               <a:rPr lang="en-US" dirty="0"/>
               <a:pPr/>
-              <a:t>8/13/2023</a:t>
+              <a:t>9/15/2023</a:t>
             </a:fld>
             <a:endParaRPr lang="en-US" dirty="0"/>
           </a:p>
@@ -2102,7 +2102,7 @@
             <a:fld id="{B61BEF0D-F0BB-DE4B-95CE-6DB70DBA9567}" type="datetimeFigureOut">
               <a:rPr lang="en-US" dirty="0"/>
               <a:pPr/>
-              <a:t>8/13/2023</a:t>
+              <a:t>9/15/2023</a:t>
             </a:fld>
             <a:endParaRPr lang="en-US" dirty="0"/>
           </a:p>
@@ -2521,7 +2521,7 @@
             <a:fld id="{B61BEF0D-F0BB-DE4B-95CE-6DB70DBA9567}" type="datetimeFigureOut">
               <a:rPr lang="en-US" dirty="0"/>
               <a:pPr/>
-              <a:t>8/13/2023</a:t>
+              <a:t>9/15/2023</a:t>
             </a:fld>
             <a:endParaRPr lang="en-US" dirty="0"/>
           </a:p>
@@ -2613,7 +2613,7 @@
             <a:fld id="{B61BEF0D-F0BB-DE4B-95CE-6DB70DBA9567}" type="datetimeFigureOut">
               <a:rPr lang="en-US" dirty="0"/>
               <a:pPr/>
-              <a:t>8/13/2023</a:t>
+              <a:t>9/15/2023</a:t>
             </a:fld>
             <a:endParaRPr lang="en-US" dirty="0"/>
           </a:p>
@@ -2772,7 +2772,7 @@
             <a:fld id="{B61BEF0D-F0BB-DE4B-95CE-6DB70DBA9567}" type="datetimeFigureOut">
               <a:rPr lang="en-US" dirty="0"/>
               <a:pPr/>
-              <a:t>8/13/2023</a:t>
+              <a:t>9/15/2023</a:t>
             </a:fld>
             <a:endParaRPr lang="en-US" dirty="0"/>
           </a:p>
@@ -3147,7 +3147,7 @@
             <a:fld id="{B61BEF0D-F0BB-DE4B-95CE-6DB70DBA9567}" type="datetimeFigureOut">
               <a:rPr lang="en-US" dirty="0"/>
               <a:pPr/>
-              <a:t>8/13/2023</a:t>
+              <a:t>9/15/2023</a:t>
             </a:fld>
             <a:endParaRPr lang="en-US" dirty="0"/>
           </a:p>
@@ -3433,7 +3433,7 @@
             <a:fld id="{B61BEF0D-F0BB-DE4B-95CE-6DB70DBA9567}" type="datetimeFigureOut">
               <a:rPr lang="en-US" dirty="0"/>
               <a:pPr/>
-              <a:t>8/13/2023</a:t>
+              <a:t>9/15/2023</a:t>
             </a:fld>
             <a:endParaRPr lang="en-US" dirty="0"/>
           </a:p>
@@ -3641,7 +3641,7 @@
             <a:fld id="{B61BEF0D-F0BB-DE4B-95CE-6DB70DBA9567}" type="datetimeFigureOut">
               <a:rPr lang="en-US" dirty="0"/>
               <a:pPr/>
-              <a:t>8/13/2023</a:t>
+              <a:t>9/15/2023</a:t>
             </a:fld>
             <a:endParaRPr lang="en-US" dirty="0"/>
           </a:p>
